--- a/sprint1/SWOT Analyse.pptx
+++ b/sprint1/SWOT Analyse.pptx
@@ -109,6 +109,11 @@
       </a:defRPr>
     </a:lvl9pPr>
   </p:defaultTextStyle>
+  <p:extLst>
+    <p:ext uri="{EFAFB233-063F-42B5-8137-9DF3F51BA10A}">
+      <p15:sldGuideLst xmlns:p15="http://schemas.microsoft.com/office/powerpoint/2012/main"/>
+    </p:ext>
+  </p:extLst>
 </p:presentation>
 </file>
 
@@ -259,7 +264,7 @@
           <a:p>
             <a:fld id="{A24DA0C6-7404-4193-B9BB-7E9489F7D3EB}" type="datetimeFigureOut">
               <a:rPr lang="de-DE" smtClean="0"/>
-              <a:t>18.12.2021</a:t>
+              <a:t>11.01.2022</a:t>
             </a:fld>
             <a:endParaRPr lang="de-DE"/>
           </a:p>
@@ -457,7 +462,7 @@
           <a:p>
             <a:fld id="{A24DA0C6-7404-4193-B9BB-7E9489F7D3EB}" type="datetimeFigureOut">
               <a:rPr lang="de-DE" smtClean="0"/>
-              <a:t>18.12.2021</a:t>
+              <a:t>11.01.2022</a:t>
             </a:fld>
             <a:endParaRPr lang="de-DE"/>
           </a:p>
@@ -665,7 +670,7 @@
           <a:p>
             <a:fld id="{A24DA0C6-7404-4193-B9BB-7E9489F7D3EB}" type="datetimeFigureOut">
               <a:rPr lang="de-DE" smtClean="0"/>
-              <a:t>18.12.2021</a:t>
+              <a:t>11.01.2022</a:t>
             </a:fld>
             <a:endParaRPr lang="de-DE"/>
           </a:p>
@@ -863,7 +868,7 @@
           <a:p>
             <a:fld id="{A24DA0C6-7404-4193-B9BB-7E9489F7D3EB}" type="datetimeFigureOut">
               <a:rPr lang="de-DE" smtClean="0"/>
-              <a:t>18.12.2021</a:t>
+              <a:t>11.01.2022</a:t>
             </a:fld>
             <a:endParaRPr lang="de-DE"/>
           </a:p>
@@ -1138,7 +1143,7 @@
           <a:p>
             <a:fld id="{A24DA0C6-7404-4193-B9BB-7E9489F7D3EB}" type="datetimeFigureOut">
               <a:rPr lang="de-DE" smtClean="0"/>
-              <a:t>18.12.2021</a:t>
+              <a:t>11.01.2022</a:t>
             </a:fld>
             <a:endParaRPr lang="de-DE"/>
           </a:p>
@@ -1403,7 +1408,7 @@
           <a:p>
             <a:fld id="{A24DA0C6-7404-4193-B9BB-7E9489F7D3EB}" type="datetimeFigureOut">
               <a:rPr lang="de-DE" smtClean="0"/>
-              <a:t>18.12.2021</a:t>
+              <a:t>11.01.2022</a:t>
             </a:fld>
             <a:endParaRPr lang="de-DE"/>
           </a:p>
@@ -1815,7 +1820,7 @@
           <a:p>
             <a:fld id="{A24DA0C6-7404-4193-B9BB-7E9489F7D3EB}" type="datetimeFigureOut">
               <a:rPr lang="de-DE" smtClean="0"/>
-              <a:t>18.12.2021</a:t>
+              <a:t>11.01.2022</a:t>
             </a:fld>
             <a:endParaRPr lang="de-DE"/>
           </a:p>
@@ -1956,7 +1961,7 @@
           <a:p>
             <a:fld id="{A24DA0C6-7404-4193-B9BB-7E9489F7D3EB}" type="datetimeFigureOut">
               <a:rPr lang="de-DE" smtClean="0"/>
-              <a:t>18.12.2021</a:t>
+              <a:t>11.01.2022</a:t>
             </a:fld>
             <a:endParaRPr lang="de-DE"/>
           </a:p>
@@ -2069,7 +2074,7 @@
           <a:p>
             <a:fld id="{A24DA0C6-7404-4193-B9BB-7E9489F7D3EB}" type="datetimeFigureOut">
               <a:rPr lang="de-DE" smtClean="0"/>
-              <a:t>18.12.2021</a:t>
+              <a:t>11.01.2022</a:t>
             </a:fld>
             <a:endParaRPr lang="de-DE"/>
           </a:p>
@@ -2380,7 +2385,7 @@
           <a:p>
             <a:fld id="{A24DA0C6-7404-4193-B9BB-7E9489F7D3EB}" type="datetimeFigureOut">
               <a:rPr lang="de-DE" smtClean="0"/>
-              <a:t>18.12.2021</a:t>
+              <a:t>11.01.2022</a:t>
             </a:fld>
             <a:endParaRPr lang="de-DE"/>
           </a:p>
@@ -2668,7 +2673,7 @@
           <a:p>
             <a:fld id="{A24DA0C6-7404-4193-B9BB-7E9489F7D3EB}" type="datetimeFigureOut">
               <a:rPr lang="de-DE" smtClean="0"/>
-              <a:t>18.12.2021</a:t>
+              <a:t>11.01.2022</a:t>
             </a:fld>
             <a:endParaRPr lang="de-DE"/>
           </a:p>
@@ -2909,7 +2914,7 @@
           <a:p>
             <a:fld id="{A24DA0C6-7404-4193-B9BB-7E9489F7D3EB}" type="datetimeFigureOut">
               <a:rPr lang="de-DE" smtClean="0"/>
-              <a:t>18.12.2021</a:t>
+              <a:t>11.01.2022</a:t>
             </a:fld>
             <a:endParaRPr lang="de-DE"/>
           </a:p>
@@ -3453,7 +3458,7 @@
         <p:spPr>
           <a:xfrm>
             <a:off x="1866900" y="2240501"/>
-            <a:ext cx="8458200" cy="2376997"/>
+            <a:ext cx="8458200" cy="1915974"/>
           </a:xfrm>
           <a:prstGeom prst="rect">
             <a:avLst/>
@@ -3502,26 +3507,6 @@
                 <a:cs typeface="Times New Roman" panose="02020603050405020304" pitchFamily="18" charset="0"/>
               </a:rPr>
               <a:t>Kompetentes Team mit ausgezeichneten Experten</a:t>
-            </a:r>
-          </a:p>
-          <a:p>
-            <a:pPr marL="342900" lvl="0" indent="-342900">
-              <a:lnSpc>
-                <a:spcPct val="107000"/>
-              </a:lnSpc>
-              <a:spcAft>
-                <a:spcPts val="0"/>
-              </a:spcAft>
-              <a:buFont typeface="Calibri" panose="020F0502020204030204" pitchFamily="34" charset="0"/>
-              <a:buChar char="-"/>
-            </a:pPr>
-            <a:r>
-              <a:rPr lang="de-DE" sz="2800" dirty="0">
-                <a:latin typeface="Calibri" panose="020F0502020204030204" pitchFamily="34" charset="0"/>
-                <a:ea typeface="Calibri" panose="020F0502020204030204" pitchFamily="34" charset="0"/>
-                <a:cs typeface="Times New Roman" panose="02020603050405020304" pitchFamily="18" charset="0"/>
-              </a:rPr>
-              <a:t>Hohe Datenschutz Vorkehrungen</a:t>
             </a:r>
           </a:p>
           <a:p>
